--- a/Tutorial 3/ISR2022_Tutorial3.pptx
+++ b/Tutorial 3/ISR2022_Tutorial3.pptx
@@ -5,7 +5,7 @@
     <p:sldMasterId id="2147483648" r:id="rId15"/>
   </p:sldMasterIdLst>
   <p:notesMasterIdLst>
-    <p:notesMasterId r:id="rId21"/>
+    <p:notesMasterId r:id="rId25"/>
   </p:notesMasterIdLst>
   <p:sldIdLst>
     <p:sldId id="257" r:id="rId16"/>
@@ -13,6 +13,10 @@
     <p:sldId id="369" r:id="rId18"/>
     <p:sldId id="367" r:id="rId19"/>
     <p:sldId id="368" r:id="rId20"/>
+    <p:sldId id="373" r:id="rId21"/>
+    <p:sldId id="371" r:id="rId22"/>
+    <p:sldId id="370" r:id="rId23"/>
+    <p:sldId id="372" r:id="rId24"/>
   </p:sldIdLst>
   <p:sldSz cx="12192000" cy="6858000"/>
   <p:notesSz cx="7099300" cy="10234613"/>
@@ -217,7 +221,7 @@
             <a:fld id="{CD72A38B-F9FA-4036-A084-652409E98F08}" type="datetimeFigureOut">
               <a:rPr lang="en-GB"/>
               <a:pPr/>
-              <a:t>18/09/2022</a:t>
+              <a:t>19/09/2022</a:t>
             </a:fld>
             <a:endParaRPr lang="en-GB" dirty="0"/>
           </a:p>
@@ -1304,7 +1308,7 @@
             <a:fld id="{F1A13B18-F5ED-4611-8DBB-F05123AFBA22}" type="datetimeFigureOut">
               <a:rPr lang="en-GB" smtClean="0"/>
               <a:pPr/>
-              <a:t>18/09/2022</a:t>
+              <a:t>19/09/2022</a:t>
             </a:fld>
             <a:endParaRPr lang="en-GB" dirty="0"/>
           </a:p>
@@ -2073,7 +2077,7 @@
             <a:fld id="{F1A13B18-F5ED-4611-8DBB-F05123AFBA22}" type="datetimeFigureOut">
               <a:rPr lang="en-GB" smtClean="0"/>
               <a:pPr/>
-              <a:t>18/09/2022</a:t>
+              <a:t>19/09/2022</a:t>
             </a:fld>
             <a:endParaRPr lang="en-GB" dirty="0"/>
           </a:p>
@@ -2493,7 +2497,7 @@
             <a:fld id="{F1A13B18-F5ED-4611-8DBB-F05123AFBA22}" type="datetimeFigureOut">
               <a:rPr lang="en-GB" smtClean="0"/>
               <a:pPr/>
-              <a:t>18/09/2022</a:t>
+              <a:t>19/09/2022</a:t>
             </a:fld>
             <a:endParaRPr lang="en-GB" dirty="0"/>
           </a:p>
@@ -3307,7 +3311,7 @@
             <a:fld id="{F1A13B18-F5ED-4611-8DBB-F05123AFBA22}" type="datetimeFigureOut">
               <a:rPr lang="en-GB" smtClean="0"/>
               <a:pPr/>
-              <a:t>18/09/2022</a:t>
+              <a:t>19/09/2022</a:t>
             </a:fld>
             <a:endParaRPr lang="en-GB" dirty="0"/>
           </a:p>
@@ -4078,7 +4082,7 @@
             <a:fld id="{F1A13B18-F5ED-4611-8DBB-F05123AFBA22}" type="datetimeFigureOut">
               <a:rPr lang="en-GB" smtClean="0"/>
               <a:pPr/>
-              <a:t>18/09/2022</a:t>
+              <a:t>19/09/2022</a:t>
             </a:fld>
             <a:endParaRPr lang="en-GB" dirty="0"/>
           </a:p>
@@ -4402,7 +4406,7 @@
             <a:fld id="{F1A13B18-F5ED-4611-8DBB-F05123AFBA22}" type="datetimeFigureOut">
               <a:rPr lang="en-GB" smtClean="0"/>
               <a:pPr/>
-              <a:t>18/09/2022</a:t>
+              <a:t>19/09/2022</a:t>
             </a:fld>
             <a:endParaRPr lang="en-GB" dirty="0"/>
           </a:p>
@@ -5098,7 +5102,7 @@
             <a:fld id="{F1A13B18-F5ED-4611-8DBB-F05123AFBA22}" type="datetimeFigureOut">
               <a:rPr lang="en-GB" smtClean="0"/>
               <a:pPr/>
-              <a:t>18/09/2022</a:t>
+              <a:t>19/09/2022</a:t>
             </a:fld>
             <a:endParaRPr lang="en-GB" dirty="0"/>
           </a:p>
@@ -5433,7 +5437,7 @@
             <a:fld id="{F1A13B18-F5ED-4611-8DBB-F05123AFBA22}" type="datetimeFigureOut">
               <a:rPr lang="en-GB" smtClean="0"/>
               <a:pPr/>
-              <a:t>18/09/2022</a:t>
+              <a:t>19/09/2022</a:t>
             </a:fld>
             <a:endParaRPr lang="en-GB" dirty="0"/>
           </a:p>
@@ -5820,7 +5824,7 @@
             <a:fld id="{F1A13B18-F5ED-4611-8DBB-F05123AFBA22}" type="datetimeFigureOut">
               <a:rPr lang="en-GB" smtClean="0"/>
               <a:pPr/>
-              <a:t>18/09/2022</a:t>
+              <a:t>19/09/2022</a:t>
             </a:fld>
             <a:endParaRPr lang="en-GB" dirty="0"/>
           </a:p>
@@ -6957,7 +6961,7 @@
             <a:fld id="{F1A13B18-F5ED-4611-8DBB-F05123AFBA22}" type="datetimeFigureOut">
               <a:rPr lang="en-GB" smtClean="0"/>
               <a:pPr/>
-              <a:t>18/09/2022</a:t>
+              <a:t>19/09/2022</a:t>
             </a:fld>
             <a:endParaRPr lang="en-GB" dirty="0"/>
           </a:p>
@@ -7752,7 +7756,7 @@
             <a:fld id="{F1A13B18-F5ED-4611-8DBB-F05123AFBA22}" type="datetimeFigureOut">
               <a:rPr lang="en-GB" smtClean="0"/>
               <a:pPr/>
-              <a:t>18/09/2022</a:t>
+              <a:t>19/09/2022</a:t>
             </a:fld>
             <a:endParaRPr lang="en-GB" dirty="0"/>
           </a:p>
@@ -8741,7 +8745,7 @@
             <a:fld id="{F1A13B18-F5ED-4611-8DBB-F05123AFBA22}" type="datetimeFigureOut">
               <a:rPr lang="en-GB" smtClean="0"/>
               <a:pPr/>
-              <a:t>18/09/2022</a:t>
+              <a:t>19/09/2022</a:t>
             </a:fld>
             <a:endParaRPr lang="en-GB" dirty="0"/>
           </a:p>
@@ -9546,7 +9550,7 @@
             <a:fld id="{F1A13B18-F5ED-4611-8DBB-F05123AFBA22}" type="datetimeFigureOut">
               <a:rPr lang="en-GB" smtClean="0"/>
               <a:pPr/>
-              <a:t>18/09/2022</a:t>
+              <a:t>19/09/2022</a:t>
             </a:fld>
             <a:endParaRPr lang="en-GB" dirty="0"/>
           </a:p>
@@ -10733,36 +10737,6 @@
       </p:pic>
       <p:pic>
         <p:nvPicPr>
-          <p:cNvPr id="90" name="Picture 89">
-            <a:extLst>
-              <a:ext uri="{FF2B5EF4-FFF2-40B4-BE49-F238E27FC236}">
-                <a16:creationId xmlns:a16="http://schemas.microsoft.com/office/drawing/2014/main" id="{B9E60B8B-8B5E-49F9-8977-8A05D8732008}"/>
-              </a:ext>
-            </a:extLst>
-          </p:cNvPr>
-          <p:cNvPicPr>
-            <a:picLocks noChangeAspect="1"/>
-          </p:cNvPicPr>
-          <p:nvPr/>
-        </p:nvPicPr>
-        <p:blipFill>
-          <a:blip r:embed="rId5"/>
-          <a:stretch>
-            <a:fillRect/>
-          </a:stretch>
-        </p:blipFill>
-        <p:spPr>
-          <a:xfrm>
-            <a:off x="5614049" y="2178533"/>
-            <a:ext cx="1220202" cy="653604"/>
-          </a:xfrm>
-          <a:prstGeom prst="rect">
-            <a:avLst/>
-          </a:prstGeom>
-        </p:spPr>
-      </p:pic>
-      <p:pic>
-        <p:nvPicPr>
           <p:cNvPr id="101" name="Picture 100" descr="A picture containing engineering drawing&#10;&#10;Description automatically generated">
             <a:extLst>
               <a:ext uri="{FF2B5EF4-FFF2-40B4-BE49-F238E27FC236}">
@@ -10912,36 +10886,6 @@
           </a:prstGeom>
         </p:spPr>
       </p:pic>
-      <p:pic>
-        <p:nvPicPr>
-          <p:cNvPr id="114" name="Picture 113">
-            <a:extLst>
-              <a:ext uri="{FF2B5EF4-FFF2-40B4-BE49-F238E27FC236}">
-                <a16:creationId xmlns:a16="http://schemas.microsoft.com/office/drawing/2014/main" id="{8D7AD5E6-A66D-49F7-ADBD-3BE345D4332B}"/>
-              </a:ext>
-            </a:extLst>
-          </p:cNvPr>
-          <p:cNvPicPr>
-            <a:picLocks noChangeAspect="1"/>
-          </p:cNvPicPr>
-          <p:nvPr/>
-        </p:nvPicPr>
-        <p:blipFill>
-          <a:blip r:embed="rId7"/>
-          <a:stretch>
-            <a:fillRect/>
-          </a:stretch>
-        </p:blipFill>
-        <p:spPr>
-          <a:xfrm flipV="1">
-            <a:off x="6716797" y="2721933"/>
-            <a:ext cx="733425" cy="352425"/>
-          </a:xfrm>
-          <a:prstGeom prst="rect">
-            <a:avLst/>
-          </a:prstGeom>
-        </p:spPr>
-      </p:pic>
       <p:cxnSp>
         <p:nvCxnSpPr>
           <p:cNvPr id="111" name="Straight Connector 110">
@@ -11096,92 +11040,6 @@
           <a:ln w="28575">
             <a:solidFill>
               <a:srgbClr val="FF0000"/>
-            </a:solidFill>
-          </a:ln>
-        </p:spPr>
-        <p:style>
-          <a:lnRef idx="1">
-            <a:schemeClr val="accent1"/>
-          </a:lnRef>
-          <a:fillRef idx="0">
-            <a:schemeClr val="accent1"/>
-          </a:fillRef>
-          <a:effectRef idx="0">
-            <a:schemeClr val="accent1"/>
-          </a:effectRef>
-          <a:fontRef idx="minor">
-            <a:schemeClr val="tx1"/>
-          </a:fontRef>
-        </p:style>
-      </p:cxnSp>
-      <p:cxnSp>
-        <p:nvCxnSpPr>
-          <p:cNvPr id="119" name="Straight Connector 118">
-            <a:extLst>
-              <a:ext uri="{FF2B5EF4-FFF2-40B4-BE49-F238E27FC236}">
-                <a16:creationId xmlns:a16="http://schemas.microsoft.com/office/drawing/2014/main" id="{257DEF29-E026-49AC-B416-110B9C639129}"/>
-              </a:ext>
-            </a:extLst>
-          </p:cNvPr>
-          <p:cNvCxnSpPr>
-            <a:cxnSpLocks/>
-          </p:cNvCxnSpPr>
-          <p:nvPr/>
-        </p:nvCxnSpPr>
-        <p:spPr>
-          <a:xfrm flipH="1">
-            <a:off x="7295175" y="2832137"/>
-            <a:ext cx="1317801" cy="0"/>
-          </a:xfrm>
-          <a:prstGeom prst="line">
-            <a:avLst/>
-          </a:prstGeom>
-          <a:ln w="28575">
-            <a:solidFill>
-              <a:srgbClr val="FF0000"/>
-            </a:solidFill>
-          </a:ln>
-        </p:spPr>
-        <p:style>
-          <a:lnRef idx="1">
-            <a:schemeClr val="accent1"/>
-          </a:lnRef>
-          <a:fillRef idx="0">
-            <a:schemeClr val="accent1"/>
-          </a:fillRef>
-          <a:effectRef idx="0">
-            <a:schemeClr val="accent1"/>
-          </a:effectRef>
-          <a:fontRef idx="minor">
-            <a:schemeClr val="tx1"/>
-          </a:fontRef>
-        </p:style>
-      </p:cxnSp>
-      <p:cxnSp>
-        <p:nvCxnSpPr>
-          <p:cNvPr id="120" name="Straight Connector 119">
-            <a:extLst>
-              <a:ext uri="{FF2B5EF4-FFF2-40B4-BE49-F238E27FC236}">
-                <a16:creationId xmlns:a16="http://schemas.microsoft.com/office/drawing/2014/main" id="{82C58D68-BBC5-40FC-9A77-8CCC5AB5E4EC}"/>
-              </a:ext>
-            </a:extLst>
-          </p:cNvPr>
-          <p:cNvCxnSpPr>
-            <a:cxnSpLocks/>
-          </p:cNvCxnSpPr>
-          <p:nvPr/>
-        </p:nvCxnSpPr>
-        <p:spPr>
-          <a:xfrm flipH="1">
-            <a:off x="7295175" y="2937895"/>
-            <a:ext cx="1317801" cy="0"/>
-          </a:xfrm>
-          <a:prstGeom prst="line">
-            <a:avLst/>
-          </a:prstGeom>
-          <a:ln w="28575">
-            <a:solidFill>
-              <a:schemeClr val="tx1"/>
             </a:solidFill>
           </a:ln>
         </p:spPr>
@@ -11286,7 +11144,7 @@
         </p:blipFill>
         <p:spPr>
           <a:xfrm rot="3717484" flipH="1">
-            <a:off x="589267" y="1421241"/>
+            <a:off x="582920" y="1634107"/>
             <a:ext cx="2014141" cy="1882749"/>
           </a:xfrm>
           <a:prstGeom prst="rect">
@@ -11310,8 +11168,8 @@
         </p:nvCxnSpPr>
         <p:spPr>
           <a:xfrm>
-            <a:off x="4384657" y="1669826"/>
-            <a:ext cx="1316961" cy="0"/>
+            <a:off x="3352308" y="1669826"/>
+            <a:ext cx="2349310" cy="0"/>
           </a:xfrm>
           <a:prstGeom prst="line">
             <a:avLst/>
@@ -11354,7 +11212,7 @@
         </p:nvCxnSpPr>
         <p:spPr>
           <a:xfrm>
-            <a:off x="2328317" y="1896628"/>
+            <a:off x="2321703" y="2094438"/>
             <a:ext cx="959666" cy="0"/>
           </a:xfrm>
           <a:prstGeom prst="line">
@@ -11442,22 +11300,23 @@
       </p:cxnSp>
       <p:cxnSp>
         <p:nvCxnSpPr>
-          <p:cNvPr id="178" name="Straight Connector 177">
-            <a:extLst>
-              <a:ext uri="{FF2B5EF4-FFF2-40B4-BE49-F238E27FC236}">
-                <a16:creationId xmlns:a16="http://schemas.microsoft.com/office/drawing/2014/main" id="{D1E24B22-E751-4EAF-AF4C-AA32086672D7}"/>
+          <p:cNvPr id="200" name="Straight Connector 199">
+            <a:extLst>
+              <a:ext uri="{FF2B5EF4-FFF2-40B4-BE49-F238E27FC236}">
+                <a16:creationId xmlns:a16="http://schemas.microsoft.com/office/drawing/2014/main" id="{35CFE9DD-3985-4A3A-849C-8523F4FAFAD6}"/>
               </a:ext>
             </a:extLst>
           </p:cNvPr>
           <p:cNvCxnSpPr>
             <a:cxnSpLocks/>
+            <a:endCxn id="205" idx="3"/>
           </p:cNvCxnSpPr>
           <p:nvPr/>
         </p:nvCxnSpPr>
         <p:spPr>
           <a:xfrm>
-            <a:off x="3352308" y="1191121"/>
-            <a:ext cx="1079973" cy="0"/>
+            <a:off x="3383006" y="1649938"/>
+            <a:ext cx="9119" cy="1356590"/>
           </a:xfrm>
           <a:prstGeom prst="line">
             <a:avLst/>
@@ -11486,10 +11345,10 @@
       </p:cxnSp>
       <p:cxnSp>
         <p:nvCxnSpPr>
-          <p:cNvPr id="199" name="Straight Connector 198">
-            <a:extLst>
-              <a:ext uri="{FF2B5EF4-FFF2-40B4-BE49-F238E27FC236}">
-                <a16:creationId xmlns:a16="http://schemas.microsoft.com/office/drawing/2014/main" id="{9C0FD345-6001-40A0-B182-3A27A0CF31C5}"/>
+          <p:cNvPr id="206" name="Straight Connector 205">
+            <a:extLst>
+              <a:ext uri="{FF2B5EF4-FFF2-40B4-BE49-F238E27FC236}">
+                <a16:creationId xmlns:a16="http://schemas.microsoft.com/office/drawing/2014/main" id="{47574567-E547-4BCB-B4D2-7B3290DC471A}"/>
               </a:ext>
             </a:extLst>
           </p:cNvPr>
@@ -11499,9 +11358,9 @@
           <p:nvPr/>
         </p:nvCxnSpPr>
         <p:spPr>
-          <a:xfrm>
-            <a:off x="3384038" y="1157893"/>
-            <a:ext cx="0" cy="554468"/>
+          <a:xfrm flipV="1">
+            <a:off x="3352308" y="4142671"/>
+            <a:ext cx="1116800" cy="574"/>
           </a:xfrm>
           <a:prstGeom prst="line">
             <a:avLst/>
@@ -11530,23 +11389,22 @@
       </p:cxnSp>
       <p:cxnSp>
         <p:nvCxnSpPr>
-          <p:cNvPr id="200" name="Straight Connector 199">
-            <a:extLst>
-              <a:ext uri="{FF2B5EF4-FFF2-40B4-BE49-F238E27FC236}">
-                <a16:creationId xmlns:a16="http://schemas.microsoft.com/office/drawing/2014/main" id="{35CFE9DD-3985-4A3A-849C-8523F4FAFAD6}"/>
+          <p:cNvPr id="208" name="Straight Connector 207">
+            <a:extLst>
+              <a:ext uri="{FF2B5EF4-FFF2-40B4-BE49-F238E27FC236}">
+                <a16:creationId xmlns:a16="http://schemas.microsoft.com/office/drawing/2014/main" id="{14B5B66C-62A1-4E7D-8BA5-191057418A3C}"/>
               </a:ext>
             </a:extLst>
           </p:cNvPr>
           <p:cNvCxnSpPr>
             <a:cxnSpLocks/>
-            <a:endCxn id="205" idx="3"/>
           </p:cNvCxnSpPr>
           <p:nvPr/>
         </p:nvCxnSpPr>
         <p:spPr>
           <a:xfrm>
-            <a:off x="3386260" y="1316275"/>
-            <a:ext cx="5865" cy="1690253"/>
+            <a:off x="4409077" y="4144914"/>
+            <a:ext cx="1922168" cy="0"/>
           </a:xfrm>
           <a:prstGeom prst="line">
             <a:avLst/>
@@ -11575,10 +11433,10 @@
       </p:cxnSp>
       <p:cxnSp>
         <p:nvCxnSpPr>
-          <p:cNvPr id="206" name="Straight Connector 205">
-            <a:extLst>
-              <a:ext uri="{FF2B5EF4-FFF2-40B4-BE49-F238E27FC236}">
-                <a16:creationId xmlns:a16="http://schemas.microsoft.com/office/drawing/2014/main" id="{47574567-E547-4BCB-B4D2-7B3290DC471A}"/>
+          <p:cNvPr id="211" name="Straight Connector 210">
+            <a:extLst>
+              <a:ext uri="{FF2B5EF4-FFF2-40B4-BE49-F238E27FC236}">
+                <a16:creationId xmlns:a16="http://schemas.microsoft.com/office/drawing/2014/main" id="{C098B6A1-CC8A-416A-9CB9-A1A3470D5816}"/>
               </a:ext>
             </a:extLst>
           </p:cNvPr>
@@ -11588,9 +11446,9 @@
           <p:nvPr/>
         </p:nvCxnSpPr>
         <p:spPr>
-          <a:xfrm flipV="1">
-            <a:off x="3352308" y="4142671"/>
-            <a:ext cx="1116800" cy="574"/>
+          <a:xfrm>
+            <a:off x="3384038" y="3230143"/>
+            <a:ext cx="0" cy="554468"/>
           </a:xfrm>
           <a:prstGeom prst="line">
             <a:avLst/>
@@ -11619,10 +11477,10 @@
       </p:cxnSp>
       <p:cxnSp>
         <p:nvCxnSpPr>
-          <p:cNvPr id="208" name="Straight Connector 207">
-            <a:extLst>
-              <a:ext uri="{FF2B5EF4-FFF2-40B4-BE49-F238E27FC236}">
-                <a16:creationId xmlns:a16="http://schemas.microsoft.com/office/drawing/2014/main" id="{14B5B66C-62A1-4E7D-8BA5-191057418A3C}"/>
+          <p:cNvPr id="212" name="Straight Connector 211">
+            <a:extLst>
+              <a:ext uri="{FF2B5EF4-FFF2-40B4-BE49-F238E27FC236}">
+                <a16:creationId xmlns:a16="http://schemas.microsoft.com/office/drawing/2014/main" id="{AC715EC2-AEDE-435F-8246-AE3EC9C5E1E8}"/>
               </a:ext>
             </a:extLst>
           </p:cNvPr>
@@ -11632,9 +11490,9 @@
           <p:nvPr/>
         </p:nvCxnSpPr>
         <p:spPr>
-          <a:xfrm>
-            <a:off x="4409077" y="4144914"/>
-            <a:ext cx="1922168" cy="0"/>
+          <a:xfrm flipH="1">
+            <a:off x="3384038" y="3533305"/>
+            <a:ext cx="2222" cy="624247"/>
           </a:xfrm>
           <a:prstGeom prst="line">
             <a:avLst/>
@@ -11661,138 +11519,6 @@
           </a:fontRef>
         </p:style>
       </p:cxnSp>
-      <p:cxnSp>
-        <p:nvCxnSpPr>
-          <p:cNvPr id="211" name="Straight Connector 210">
-            <a:extLst>
-              <a:ext uri="{FF2B5EF4-FFF2-40B4-BE49-F238E27FC236}">
-                <a16:creationId xmlns:a16="http://schemas.microsoft.com/office/drawing/2014/main" id="{C098B6A1-CC8A-416A-9CB9-A1A3470D5816}"/>
-              </a:ext>
-            </a:extLst>
-          </p:cNvPr>
-          <p:cNvCxnSpPr>
-            <a:cxnSpLocks/>
-          </p:cNvCxnSpPr>
-          <p:nvPr/>
-        </p:nvCxnSpPr>
-        <p:spPr>
-          <a:xfrm>
-            <a:off x="3384038" y="3230143"/>
-            <a:ext cx="0" cy="554468"/>
-          </a:xfrm>
-          <a:prstGeom prst="line">
-            <a:avLst/>
-          </a:prstGeom>
-          <a:ln w="76200">
-            <a:solidFill>
-              <a:srgbClr val="00B0F0"/>
-            </a:solidFill>
-          </a:ln>
-          <a:effectLst/>
-        </p:spPr>
-        <p:style>
-          <a:lnRef idx="1">
-            <a:schemeClr val="accent1"/>
-          </a:lnRef>
-          <a:fillRef idx="0">
-            <a:schemeClr val="accent1"/>
-          </a:fillRef>
-          <a:effectRef idx="0">
-            <a:schemeClr val="accent1"/>
-          </a:effectRef>
-          <a:fontRef idx="minor">
-            <a:schemeClr val="tx1"/>
-          </a:fontRef>
-        </p:style>
-      </p:cxnSp>
-      <p:cxnSp>
-        <p:nvCxnSpPr>
-          <p:cNvPr id="212" name="Straight Connector 211">
-            <a:extLst>
-              <a:ext uri="{FF2B5EF4-FFF2-40B4-BE49-F238E27FC236}">
-                <a16:creationId xmlns:a16="http://schemas.microsoft.com/office/drawing/2014/main" id="{AC715EC2-AEDE-435F-8246-AE3EC9C5E1E8}"/>
-              </a:ext>
-            </a:extLst>
-          </p:cNvPr>
-          <p:cNvCxnSpPr>
-            <a:cxnSpLocks/>
-          </p:cNvCxnSpPr>
-          <p:nvPr/>
-        </p:nvCxnSpPr>
-        <p:spPr>
-          <a:xfrm flipH="1">
-            <a:off x="3384038" y="3533305"/>
-            <a:ext cx="2222" cy="624247"/>
-          </a:xfrm>
-          <a:prstGeom prst="line">
-            <a:avLst/>
-          </a:prstGeom>
-          <a:ln w="76200">
-            <a:solidFill>
-              <a:srgbClr val="00B0F0"/>
-            </a:solidFill>
-          </a:ln>
-          <a:effectLst/>
-        </p:spPr>
-        <p:style>
-          <a:lnRef idx="1">
-            <a:schemeClr val="accent1"/>
-          </a:lnRef>
-          <a:fillRef idx="0">
-            <a:schemeClr val="accent1"/>
-          </a:fillRef>
-          <a:effectRef idx="0">
-            <a:schemeClr val="accent1"/>
-          </a:effectRef>
-          <a:fontRef idx="minor">
-            <a:schemeClr val="tx1"/>
-          </a:fontRef>
-        </p:style>
-      </p:cxnSp>
-      <p:cxnSp>
-        <p:nvCxnSpPr>
-          <p:cNvPr id="216" name="Straight Connector 215">
-            <a:extLst>
-              <a:ext uri="{FF2B5EF4-FFF2-40B4-BE49-F238E27FC236}">
-                <a16:creationId xmlns:a16="http://schemas.microsoft.com/office/drawing/2014/main" id="{35DFA362-E9A3-4B93-9C37-AA11E06BABF8}"/>
-              </a:ext>
-            </a:extLst>
-          </p:cNvPr>
-          <p:cNvCxnSpPr>
-            <a:cxnSpLocks/>
-          </p:cNvCxnSpPr>
-          <p:nvPr/>
-        </p:nvCxnSpPr>
-        <p:spPr>
-          <a:xfrm>
-            <a:off x="4423366" y="2454034"/>
-            <a:ext cx="1244562" cy="0"/>
-          </a:xfrm>
-          <a:prstGeom prst="line">
-            <a:avLst/>
-          </a:prstGeom>
-          <a:ln w="76200">
-            <a:solidFill>
-              <a:srgbClr val="00B0F0"/>
-            </a:solidFill>
-          </a:ln>
-          <a:effectLst/>
-        </p:spPr>
-        <p:style>
-          <a:lnRef idx="1">
-            <a:schemeClr val="accent1"/>
-          </a:lnRef>
-          <a:fillRef idx="0">
-            <a:schemeClr val="accent1"/>
-          </a:fillRef>
-          <a:effectRef idx="0">
-            <a:schemeClr val="accent1"/>
-          </a:effectRef>
-          <a:fontRef idx="minor">
-            <a:schemeClr val="tx1"/>
-          </a:fontRef>
-        </p:style>
-      </p:cxnSp>
       <p:sp>
         <p:nvSpPr>
           <p:cNvPr id="1039" name="Arrow: Left-Right-Up 1038">
@@ -11807,7 +11533,7 @@
         </p:nvSpPr>
         <p:spPr>
           <a:xfrm rot="16200000">
-            <a:off x="3094605" y="1729687"/>
+            <a:off x="3085222" y="1927012"/>
             <a:ext cx="434205" cy="321666"/>
           </a:xfrm>
           <a:prstGeom prst="leftRightUpArrow">
@@ -11917,8 +11643,8 @@
         </p:nvCxnSpPr>
         <p:spPr>
           <a:xfrm>
-            <a:off x="6289335" y="2877779"/>
-            <a:ext cx="0" cy="1279773"/>
+            <a:off x="6289335" y="2033328"/>
+            <a:ext cx="0" cy="2124224"/>
           </a:xfrm>
           <a:prstGeom prst="line">
             <a:avLst/>
@@ -11960,9 +11686,9 @@
           <p:nvPr/>
         </p:nvCxnSpPr>
         <p:spPr>
-          <a:xfrm flipV="1">
-            <a:off x="6251870" y="2859178"/>
-            <a:ext cx="582381" cy="8348"/>
+          <a:xfrm>
+            <a:off x="6252188" y="2042381"/>
+            <a:ext cx="529276" cy="0"/>
           </a:xfrm>
           <a:prstGeom prst="line">
             <a:avLst/>
@@ -12606,78 +12332,6 @@
       </p:sp>
       <p:sp>
         <p:nvSpPr>
-          <p:cNvPr id="279" name="TextBox 278">
-            <a:extLst>
-              <a:ext uri="{FF2B5EF4-FFF2-40B4-BE49-F238E27FC236}">
-                <a16:creationId xmlns:a16="http://schemas.microsoft.com/office/drawing/2014/main" id="{03F1E7A4-ECDA-42B7-88FC-AD7F8E90211F}"/>
-              </a:ext>
-            </a:extLst>
-          </p:cNvPr>
-          <p:cNvSpPr txBox="1"/>
-          <p:nvPr/>
-        </p:nvSpPr>
-        <p:spPr>
-          <a:xfrm>
-            <a:off x="5205272" y="2728786"/>
-            <a:ext cx="1957549" cy="230832"/>
-          </a:xfrm>
-          <a:prstGeom prst="rect">
-            <a:avLst/>
-          </a:prstGeom>
-          <a:noFill/>
-        </p:spPr>
-        <p:txBody>
-          <a:bodyPr wrap="square">
-            <a:spAutoFit/>
-          </a:bodyPr>
-          <a:lstStyle/>
-          <a:p>
-            <a:r>
-              <a:rPr lang="en-GB" sz="900" b="1" dirty="0"/>
-              <a:t>Pump 2 (M3)</a:t>
-            </a:r>
-            <a:endParaRPr lang="da-DK" sz="900" b="1" dirty="0"/>
-          </a:p>
-        </p:txBody>
-      </p:sp>
-      <p:sp>
-        <p:nvSpPr>
-          <p:cNvPr id="280" name="TextBox 279">
-            <a:extLst>
-              <a:ext uri="{FF2B5EF4-FFF2-40B4-BE49-F238E27FC236}">
-                <a16:creationId xmlns:a16="http://schemas.microsoft.com/office/drawing/2014/main" id="{0364C84B-603D-418B-86A9-35BF64D7684B}"/>
-              </a:ext>
-            </a:extLst>
-          </p:cNvPr>
-          <p:cNvSpPr txBox="1"/>
-          <p:nvPr/>
-        </p:nvSpPr>
-        <p:spPr>
-          <a:xfrm>
-            <a:off x="6709050" y="3052271"/>
-            <a:ext cx="1957549" cy="230832"/>
-          </a:xfrm>
-          <a:prstGeom prst="rect">
-            <a:avLst/>
-          </a:prstGeom>
-          <a:noFill/>
-        </p:spPr>
-        <p:txBody>
-          <a:bodyPr wrap="square">
-            <a:spAutoFit/>
-          </a:bodyPr>
-          <a:lstStyle/>
-          <a:p>
-            <a:r>
-              <a:rPr lang="en-GB" sz="900" b="1" dirty="0"/>
-              <a:t>Valve 2 (M4)</a:t>
-            </a:r>
-            <a:endParaRPr lang="da-DK" sz="900" b="1" dirty="0"/>
-          </a:p>
-        </p:txBody>
-      </p:sp>
-      <p:sp>
-        <p:nvSpPr>
           <p:cNvPr id="281" name="TextBox 280">
             <a:extLst>
               <a:ext uri="{FF2B5EF4-FFF2-40B4-BE49-F238E27FC236}">
@@ -12884,148 +12538,6 @@
           </a:fontRef>
         </p:style>
       </p:cxnSp>
-      <p:cxnSp>
-        <p:nvCxnSpPr>
-          <p:cNvPr id="72" name="Straight Connector 71">
-            <a:extLst>
-              <a:ext uri="{FF2B5EF4-FFF2-40B4-BE49-F238E27FC236}">
-                <a16:creationId xmlns:a16="http://schemas.microsoft.com/office/drawing/2014/main" id="{2B693BBC-FC88-48DE-B13A-1AD5070F0764}"/>
-              </a:ext>
-            </a:extLst>
-          </p:cNvPr>
-          <p:cNvCxnSpPr>
-            <a:cxnSpLocks/>
-          </p:cNvCxnSpPr>
-          <p:nvPr/>
-        </p:nvCxnSpPr>
-        <p:spPr>
-          <a:xfrm>
-            <a:off x="4423366" y="1778181"/>
-            <a:ext cx="8915" cy="717577"/>
-          </a:xfrm>
-          <a:prstGeom prst="line">
-            <a:avLst/>
-          </a:prstGeom>
-          <a:ln w="76200">
-            <a:solidFill>
-              <a:srgbClr val="00B0F0"/>
-            </a:solidFill>
-          </a:ln>
-          <a:effectLst/>
-        </p:spPr>
-        <p:style>
-          <a:lnRef idx="1">
-            <a:schemeClr val="accent1"/>
-          </a:lnRef>
-          <a:fillRef idx="0">
-            <a:schemeClr val="accent1"/>
-          </a:fillRef>
-          <a:effectRef idx="0">
-            <a:schemeClr val="accent1"/>
-          </a:effectRef>
-          <a:fontRef idx="minor">
-            <a:schemeClr val="tx1"/>
-          </a:fontRef>
-        </p:style>
-      </p:cxnSp>
-      <p:cxnSp>
-        <p:nvCxnSpPr>
-          <p:cNvPr id="174" name="Straight Connector 173">
-            <a:extLst>
-              <a:ext uri="{FF2B5EF4-FFF2-40B4-BE49-F238E27FC236}">
-                <a16:creationId xmlns:a16="http://schemas.microsoft.com/office/drawing/2014/main" id="{F8AED547-6B6A-4D3D-94E2-D9DC12F6F638}"/>
-              </a:ext>
-            </a:extLst>
-          </p:cNvPr>
-          <p:cNvCxnSpPr>
-            <a:cxnSpLocks/>
-          </p:cNvCxnSpPr>
-          <p:nvPr/>
-        </p:nvCxnSpPr>
-        <p:spPr>
-          <a:xfrm>
-            <a:off x="4423366" y="1153134"/>
-            <a:ext cx="0" cy="554468"/>
-          </a:xfrm>
-          <a:prstGeom prst="line">
-            <a:avLst/>
-          </a:prstGeom>
-          <a:ln w="76200">
-            <a:solidFill>
-              <a:srgbClr val="00B0F0"/>
-            </a:solidFill>
-          </a:ln>
-          <a:effectLst/>
-        </p:spPr>
-        <p:style>
-          <a:lnRef idx="1">
-            <a:schemeClr val="accent1"/>
-          </a:lnRef>
-          <a:fillRef idx="0">
-            <a:schemeClr val="accent1"/>
-          </a:fillRef>
-          <a:effectRef idx="0">
-            <a:schemeClr val="accent1"/>
-          </a:effectRef>
-          <a:fontRef idx="minor">
-            <a:schemeClr val="tx1"/>
-          </a:fontRef>
-        </p:style>
-      </p:cxnSp>
-      <p:sp>
-        <p:nvSpPr>
-          <p:cNvPr id="70" name="Arrow: Left-Right-Up 69">
-            <a:extLst>
-              <a:ext uri="{FF2B5EF4-FFF2-40B4-BE49-F238E27FC236}">
-                <a16:creationId xmlns:a16="http://schemas.microsoft.com/office/drawing/2014/main" id="{F12EE775-4344-4297-9ED4-A4A66FC9B903}"/>
-              </a:ext>
-            </a:extLst>
-          </p:cNvPr>
-          <p:cNvSpPr/>
-          <p:nvPr/>
-        </p:nvSpPr>
-        <p:spPr>
-          <a:xfrm rot="5400000" flipH="1">
-            <a:off x="4277305" y="1506768"/>
-            <a:ext cx="434205" cy="321666"/>
-          </a:xfrm>
-          <a:prstGeom prst="leftRightUpArrow">
-            <a:avLst/>
-          </a:prstGeom>
-          <a:solidFill>
-            <a:schemeClr val="tx1"/>
-          </a:solidFill>
-          <a:ln>
-            <a:solidFill>
-              <a:schemeClr val="tx1"/>
-            </a:solidFill>
-          </a:ln>
-        </p:spPr>
-        <p:style>
-          <a:lnRef idx="2">
-            <a:schemeClr val="accent1">
-              <a:shade val="50000"/>
-            </a:schemeClr>
-          </a:lnRef>
-          <a:fillRef idx="1">
-            <a:schemeClr val="accent1"/>
-          </a:fillRef>
-          <a:effectRef idx="0">
-            <a:schemeClr val="accent1"/>
-          </a:effectRef>
-          <a:fontRef idx="minor">
-            <a:schemeClr val="lt1"/>
-          </a:fontRef>
-        </p:style>
-        <p:txBody>
-          <a:bodyPr lIns="72000" tIns="72000" rIns="72000" bIns="72000" rtlCol="0" anchor="ctr"/>
-          <a:lstStyle/>
-          <a:p>
-            <a:pPr algn="ctr"/>
-            <a:endParaRPr lang="da-DK" sz="1600" dirty="0" err="1"/>
-          </a:p>
-        </p:txBody>
-      </p:sp>
       <p:sp>
         <p:nvSpPr>
           <p:cNvPr id="2" name="TextBox 1">
@@ -13535,12 +13047,459 @@
           </a:p>
         </p:txBody>
       </p:sp>
+      <p:sp>
+        <p:nvSpPr>
+          <p:cNvPr id="14" name="TextBox 13">
+            <a:extLst>
+              <a:ext uri="{FF2B5EF4-FFF2-40B4-BE49-F238E27FC236}">
+                <a16:creationId xmlns:a16="http://schemas.microsoft.com/office/drawing/2014/main" id="{97A5E43E-3A6F-4F5D-971D-D1FBE0CFB60E}"/>
+              </a:ext>
+            </a:extLst>
+          </p:cNvPr>
+          <p:cNvSpPr txBox="1"/>
+          <p:nvPr/>
+        </p:nvSpPr>
+        <p:spPr>
+          <a:xfrm>
+            <a:off x="531513" y="1502569"/>
+            <a:ext cx="6096000" cy="646331"/>
+          </a:xfrm>
+          <a:prstGeom prst="rect">
+            <a:avLst/>
+          </a:prstGeom>
+          <a:noFill/>
+        </p:spPr>
+        <p:txBody>
+          <a:bodyPr wrap="square">
+            <a:spAutoFit/>
+          </a:bodyPr>
+          <a:lstStyle/>
+          <a:p>
+            <a:pPr marL="0" indent="0">
+              <a:buNone/>
+            </a:pPr>
+            <a:r>
+              <a:rPr lang="en-US" sz="1800" b="1" dirty="0"/>
+              <a:t>Arduino Time Control: </a:t>
+            </a:r>
+          </a:p>
+          <a:p>
+            <a:pPr marL="0" indent="0">
+              <a:buNone/>
+            </a:pPr>
+            <a:r>
+              <a:rPr lang="en-US" dirty="0"/>
+              <a:t>Sample time = 100 [</a:t>
+            </a:r>
+            <a:r>
+              <a:rPr lang="en-US" dirty="0" err="1"/>
+              <a:t>ms</a:t>
+            </a:r>
+            <a:r>
+              <a:rPr lang="en-US" dirty="0"/>
+              <a:t>]</a:t>
+            </a:r>
+            <a:endParaRPr lang="en-US" sz="1800" dirty="0"/>
+          </a:p>
+        </p:txBody>
+      </p:sp>
       <p:pic>
         <p:nvPicPr>
-          <p:cNvPr id="13" name="Picture 12">
-            <a:extLst>
-              <a:ext uri="{FF2B5EF4-FFF2-40B4-BE49-F238E27FC236}">
-                <a16:creationId xmlns:a16="http://schemas.microsoft.com/office/drawing/2014/main" id="{1358A932-8C30-4BFD-B999-C8796DB3EBC3}"/>
+          <p:cNvPr id="15" name="Picture 14">
+            <a:extLst>
+              <a:ext uri="{FF2B5EF4-FFF2-40B4-BE49-F238E27FC236}">
+                <a16:creationId xmlns:a16="http://schemas.microsoft.com/office/drawing/2014/main" id="{C6C321B5-3E62-4D5E-BABD-A05455027B76}"/>
+              </a:ext>
+            </a:extLst>
+          </p:cNvPr>
+          <p:cNvPicPr>
+            <a:picLocks noChangeAspect="1"/>
+          </p:cNvPicPr>
+          <p:nvPr/>
+        </p:nvPicPr>
+        <p:blipFill>
+          <a:blip r:embed="rId2"/>
+          <a:stretch>
+            <a:fillRect/>
+          </a:stretch>
+        </p:blipFill>
+        <p:spPr>
+          <a:xfrm>
+            <a:off x="3463399" y="1541442"/>
+            <a:ext cx="7243860" cy="504213"/>
+          </a:xfrm>
+          <a:prstGeom prst="rect">
+            <a:avLst/>
+          </a:prstGeom>
+        </p:spPr>
+      </p:pic>
+      <p:sp>
+        <p:nvSpPr>
+          <p:cNvPr id="17" name="TextBox 16">
+            <a:extLst>
+              <a:ext uri="{FF2B5EF4-FFF2-40B4-BE49-F238E27FC236}">
+                <a16:creationId xmlns:a16="http://schemas.microsoft.com/office/drawing/2014/main" id="{5A61E2E2-C3A5-4727-8E09-FB98076B9173}"/>
+              </a:ext>
+            </a:extLst>
+          </p:cNvPr>
+          <p:cNvSpPr txBox="1"/>
+          <p:nvPr/>
+        </p:nvSpPr>
+        <p:spPr>
+          <a:xfrm>
+            <a:off x="531513" y="2309808"/>
+            <a:ext cx="6096000" cy="369332"/>
+          </a:xfrm>
+          <a:prstGeom prst="rect">
+            <a:avLst/>
+          </a:prstGeom>
+          <a:noFill/>
+        </p:spPr>
+        <p:txBody>
+          <a:bodyPr wrap="square">
+            <a:spAutoFit/>
+          </a:bodyPr>
+          <a:lstStyle/>
+          <a:p>
+            <a:pPr marL="0" indent="0">
+              <a:buNone/>
+            </a:pPr>
+            <a:r>
+              <a:rPr lang="en-US" sz="1800" b="1" dirty="0"/>
+              <a:t>Example:</a:t>
+            </a:r>
+            <a:endParaRPr lang="en-US" sz="1800" dirty="0"/>
+          </a:p>
+        </p:txBody>
+      </p:sp>
+      <p:sp>
+        <p:nvSpPr>
+          <p:cNvPr id="3" name="TextBox 2">
+            <a:extLst>
+              <a:ext uri="{FF2B5EF4-FFF2-40B4-BE49-F238E27FC236}">
+                <a16:creationId xmlns:a16="http://schemas.microsoft.com/office/drawing/2014/main" id="{6D58B45C-0449-2479-90C5-74C2C81C8004}"/>
+              </a:ext>
+            </a:extLst>
+          </p:cNvPr>
+          <p:cNvSpPr txBox="1"/>
+          <p:nvPr/>
+        </p:nvSpPr>
+        <p:spPr>
+          <a:xfrm>
+            <a:off x="10250567" y="6358270"/>
+            <a:ext cx="1799360" cy="215444"/>
+          </a:xfrm>
+          <a:prstGeom prst="rect">
+            <a:avLst/>
+          </a:prstGeom>
+          <a:solidFill>
+            <a:srgbClr val="DDCBA4"/>
+          </a:solidFill>
+        </p:spPr>
+        <p:txBody>
+          <a:bodyPr wrap="square" lIns="0" tIns="0" rIns="0" bIns="0" rtlCol="0">
+            <a:spAutoFit/>
+          </a:bodyPr>
+          <a:lstStyle/>
+          <a:p>
+            <a:r>
+              <a:rPr lang="da-DK" sz="1400" dirty="0">
+                <a:solidFill>
+                  <a:schemeClr val="bg1"/>
+                </a:solidFill>
+                <a:latin typeface="Times New Roman" panose="02020603050405020304" pitchFamily="18" charset="0"/>
+                <a:cs typeface="Times New Roman" panose="02020603050405020304" pitchFamily="18" charset="0"/>
+              </a:rPr>
+              <a:t>19 September 2022</a:t>
+            </a:r>
+          </a:p>
+        </p:txBody>
+      </p:sp>
+      <p:pic>
+        <p:nvPicPr>
+          <p:cNvPr id="6" name="Picture 5">
+            <a:extLst>
+              <a:ext uri="{FF2B5EF4-FFF2-40B4-BE49-F238E27FC236}">
+                <a16:creationId xmlns:a16="http://schemas.microsoft.com/office/drawing/2014/main" id="{0367FAA4-6465-AB0A-F1C8-9149392F32A3}"/>
+              </a:ext>
+            </a:extLst>
+          </p:cNvPr>
+          <p:cNvPicPr>
+            <a:picLocks noChangeAspect="1"/>
+          </p:cNvPicPr>
+          <p:nvPr/>
+        </p:nvPicPr>
+        <p:blipFill rotWithShape="1">
+          <a:blip r:embed="rId3"/>
+          <a:srcRect b="41179"/>
+          <a:stretch/>
+        </p:blipFill>
+        <p:spPr>
+          <a:xfrm>
+            <a:off x="458942" y="2764307"/>
+            <a:ext cx="5108939" cy="3229403"/>
+          </a:xfrm>
+          <a:prstGeom prst="rect">
+            <a:avLst/>
+          </a:prstGeom>
+        </p:spPr>
+      </p:pic>
+      <p:pic>
+        <p:nvPicPr>
+          <p:cNvPr id="8" name="Picture 7">
+            <a:extLst>
+              <a:ext uri="{FF2B5EF4-FFF2-40B4-BE49-F238E27FC236}">
+                <a16:creationId xmlns:a16="http://schemas.microsoft.com/office/drawing/2014/main" id="{79852DE5-DDA9-A9FF-6EB5-731D05BE8701}"/>
+              </a:ext>
+            </a:extLst>
+          </p:cNvPr>
+          <p:cNvPicPr>
+            <a:picLocks noChangeAspect="1"/>
+          </p:cNvPicPr>
+          <p:nvPr/>
+        </p:nvPicPr>
+        <p:blipFill rotWithShape="1">
+          <a:blip r:embed="rId3"/>
+          <a:srcRect t="58205"/>
+          <a:stretch/>
+        </p:blipFill>
+        <p:spPr>
+          <a:xfrm>
+            <a:off x="5935231" y="3075228"/>
+            <a:ext cx="5810250" cy="2607559"/>
+          </a:xfrm>
+          <a:prstGeom prst="rect">
+            <a:avLst/>
+          </a:prstGeom>
+        </p:spPr>
+      </p:pic>
+    </p:spTree>
+    <p:extLst>
+      <p:ext uri="{BB962C8B-B14F-4D97-AF65-F5344CB8AC3E}">
+        <p14:creationId xmlns:p14="http://schemas.microsoft.com/office/powerpoint/2010/main" val="3432613573"/>
+      </p:ext>
+    </p:extLst>
+  </p:cSld>
+  <p:clrMapOvr>
+    <a:masterClrMapping/>
+  </p:clrMapOvr>
+</p:sld>
+</file>
+
+<file path=ppt/slides/slide6.xml><?xml version="1.0" encoding="utf-8"?>
+<p:sld xmlns:a="http://schemas.openxmlformats.org/drawingml/2006/main" xmlns:r="http://schemas.openxmlformats.org/officeDocument/2006/relationships" xmlns:p="http://schemas.openxmlformats.org/presentationml/2006/main">
+  <p:cSld>
+    <p:spTree>
+      <p:nvGrpSpPr>
+        <p:cNvPr id="1" name=""/>
+        <p:cNvGrpSpPr/>
+        <p:nvPr/>
+      </p:nvGrpSpPr>
+      <p:grpSpPr>
+        <a:xfrm>
+          <a:off x="0" y="0"/>
+          <a:ext cx="0" cy="0"/>
+          <a:chOff x="0" y="0"/>
+          <a:chExt cx="0" cy="0"/>
+        </a:xfrm>
+      </p:grpSpPr>
+      <p:sp>
+        <p:nvSpPr>
+          <p:cNvPr id="2" name="Title 1">
+            <a:extLst>
+              <a:ext uri="{FF2B5EF4-FFF2-40B4-BE49-F238E27FC236}">
+                <a16:creationId xmlns:a16="http://schemas.microsoft.com/office/drawing/2014/main" id="{E6D62C64-19A2-196D-B026-F74238253BD2}"/>
+              </a:ext>
+            </a:extLst>
+          </p:cNvPr>
+          <p:cNvSpPr>
+            <a:spLocks noGrp="1"/>
+          </p:cNvSpPr>
+          <p:nvPr>
+            <p:ph type="ctrTitle"/>
+          </p:nvPr>
+        </p:nvSpPr>
+        <p:spPr/>
+        <p:txBody>
+          <a:bodyPr/>
+          <a:lstStyle/>
+          <a:p>
+            <a:r>
+              <a:rPr lang="da-DK" dirty="0"/>
+              <a:t>Alpha filter</a:t>
+            </a:r>
+          </a:p>
+        </p:txBody>
+      </p:sp>
+      <p:sp>
+        <p:nvSpPr>
+          <p:cNvPr id="4" name="Date Placeholder 3">
+            <a:extLst>
+              <a:ext uri="{FF2B5EF4-FFF2-40B4-BE49-F238E27FC236}">
+                <a16:creationId xmlns:a16="http://schemas.microsoft.com/office/drawing/2014/main" id="{FED4949F-7892-2631-60C7-75199336D097}"/>
+              </a:ext>
+            </a:extLst>
+          </p:cNvPr>
+          <p:cNvSpPr>
+            <a:spLocks noGrp="1"/>
+          </p:cNvSpPr>
+          <p:nvPr>
+            <p:ph type="dt" sz="half" idx="2"/>
+          </p:nvPr>
+        </p:nvSpPr>
+        <p:spPr/>
+        <p:txBody>
+          <a:bodyPr/>
+          <a:lstStyle/>
+          <a:p>
+            <a:r>
+              <a:rPr lang="en-GB"/>
+              <a:t>19 September, 2022</a:t>
+            </a:r>
+            <a:endParaRPr lang="en-GB" dirty="0"/>
+          </a:p>
+        </p:txBody>
+      </p:sp>
+      <p:pic>
+        <p:nvPicPr>
+          <p:cNvPr id="6" name="Picture 5">
+            <a:extLst>
+              <a:ext uri="{FF2B5EF4-FFF2-40B4-BE49-F238E27FC236}">
+                <a16:creationId xmlns:a16="http://schemas.microsoft.com/office/drawing/2014/main" id="{A5F836EB-EB37-476C-BD99-5598C82407F7}"/>
+              </a:ext>
+            </a:extLst>
+          </p:cNvPr>
+          <p:cNvPicPr>
+            <a:picLocks noChangeAspect="1"/>
+          </p:cNvPicPr>
+          <p:nvPr/>
+        </p:nvPicPr>
+        <p:blipFill>
+          <a:blip r:embed="rId2"/>
+          <a:stretch>
+            <a:fillRect/>
+          </a:stretch>
+        </p:blipFill>
+        <p:spPr>
+          <a:xfrm>
+            <a:off x="1515654" y="1791454"/>
+            <a:ext cx="8201025" cy="4343400"/>
+          </a:xfrm>
+          <a:prstGeom prst="rect">
+            <a:avLst/>
+          </a:prstGeom>
+        </p:spPr>
+      </p:pic>
+    </p:spTree>
+    <p:extLst>
+      <p:ext uri="{BB962C8B-B14F-4D97-AF65-F5344CB8AC3E}">
+        <p14:creationId xmlns:p14="http://schemas.microsoft.com/office/powerpoint/2010/main" val="1719677094"/>
+      </p:ext>
+    </p:extLst>
+  </p:cSld>
+  <p:clrMapOvr>
+    <a:masterClrMapping/>
+  </p:clrMapOvr>
+</p:sld>
+</file>
+
+<file path=ppt/slides/slide7.xml><?xml version="1.0" encoding="utf-8"?>
+<p:sld xmlns:a="http://schemas.openxmlformats.org/drawingml/2006/main" xmlns:r="http://schemas.openxmlformats.org/officeDocument/2006/relationships" xmlns:p="http://schemas.openxmlformats.org/presentationml/2006/main">
+  <p:cSld>
+    <p:spTree>
+      <p:nvGrpSpPr>
+        <p:cNvPr id="1" name=""/>
+        <p:cNvGrpSpPr/>
+        <p:nvPr/>
+      </p:nvGrpSpPr>
+      <p:grpSpPr>
+        <a:xfrm>
+          <a:off x="0" y="0"/>
+          <a:ext cx="0" cy="0"/>
+          <a:chOff x="0" y="0"/>
+          <a:chExt cx="0" cy="0"/>
+        </a:xfrm>
+      </p:grpSpPr>
+      <p:sp>
+        <p:nvSpPr>
+          <p:cNvPr id="3" name="Date Placeholder 2">
+            <a:extLst>
+              <a:ext uri="{FF2B5EF4-FFF2-40B4-BE49-F238E27FC236}">
+                <a16:creationId xmlns:a16="http://schemas.microsoft.com/office/drawing/2014/main" id="{22E14793-6613-4720-94CC-1628EB873E6C}"/>
+              </a:ext>
+            </a:extLst>
+          </p:cNvPr>
+          <p:cNvSpPr>
+            <a:spLocks noGrp="1"/>
+          </p:cNvSpPr>
+          <p:nvPr>
+            <p:ph type="dt" sz="half" idx="2"/>
+          </p:nvPr>
+        </p:nvSpPr>
+        <p:spPr>
+          <a:xfrm>
+            <a:off x="520995" y="6773777"/>
+            <a:ext cx="0" cy="0"/>
+          </a:xfrm>
+        </p:spPr>
+        <p:txBody>
+          <a:bodyPr/>
+          <a:lstStyle/>
+          <a:p>
+            <a:r>
+              <a:rPr lang="en-GB"/>
+              <a:t>19 September, 2022</a:t>
+            </a:r>
+            <a:endParaRPr lang="en-GB" dirty="0"/>
+          </a:p>
+        </p:txBody>
+      </p:sp>
+      <p:sp>
+        <p:nvSpPr>
+          <p:cNvPr id="2" name="TextBox 1">
+            <a:extLst>
+              <a:ext uri="{FF2B5EF4-FFF2-40B4-BE49-F238E27FC236}">
+                <a16:creationId xmlns:a16="http://schemas.microsoft.com/office/drawing/2014/main" id="{956374B3-D57C-5019-87A5-6D92A63EAD11}"/>
+              </a:ext>
+            </a:extLst>
+          </p:cNvPr>
+          <p:cNvSpPr txBox="1"/>
+          <p:nvPr/>
+        </p:nvSpPr>
+        <p:spPr>
+          <a:xfrm>
+            <a:off x="10250567" y="6358270"/>
+            <a:ext cx="1799360" cy="215444"/>
+          </a:xfrm>
+          <a:prstGeom prst="rect">
+            <a:avLst/>
+          </a:prstGeom>
+          <a:solidFill>
+            <a:schemeClr val="bg1"/>
+          </a:solidFill>
+        </p:spPr>
+        <p:txBody>
+          <a:bodyPr wrap="square" lIns="0" tIns="0" rIns="0" bIns="0" rtlCol="0">
+            <a:spAutoFit/>
+          </a:bodyPr>
+          <a:lstStyle/>
+          <a:p>
+            <a:r>
+              <a:rPr lang="da-DK" sz="1400" dirty="0">
+                <a:latin typeface="Times New Roman" panose="02020603050405020304" pitchFamily="18" charset="0"/>
+                <a:cs typeface="Times New Roman" panose="02020603050405020304" pitchFamily="18" charset="0"/>
+              </a:rPr>
+              <a:t>19 September 2022</a:t>
+            </a:r>
+          </a:p>
+        </p:txBody>
+      </p:sp>
+      <p:pic>
+        <p:nvPicPr>
+          <p:cNvPr id="7" name="Picture 6">
+            <a:extLst>
+              <a:ext uri="{FF2B5EF4-FFF2-40B4-BE49-F238E27FC236}">
+                <a16:creationId xmlns:a16="http://schemas.microsoft.com/office/drawing/2014/main" id="{1D3AAB04-0CE5-46A6-5E63-97E70B026682}"/>
               </a:ext>
             </a:extLst>
           </p:cNvPr>
@@ -13551,13 +13510,13 @@
         </p:nvPicPr>
         <p:blipFill rotWithShape="1">
           <a:blip r:embed="rId2"/>
-          <a:srcRect b="40632"/>
+          <a:srcRect r="4573"/>
           <a:stretch/>
         </p:blipFill>
         <p:spPr>
           <a:xfrm>
-            <a:off x="328313" y="2849940"/>
-            <a:ext cx="5363256" cy="3276600"/>
+            <a:off x="1597769" y="1402914"/>
+            <a:ext cx="8652798" cy="4955356"/>
           </a:xfrm>
           <a:prstGeom prst="rect">
             <a:avLst/>
@@ -13566,10 +13525,143 @@
       </p:pic>
       <p:sp>
         <p:nvSpPr>
-          <p:cNvPr id="14" name="TextBox 13">
-            <a:extLst>
-              <a:ext uri="{FF2B5EF4-FFF2-40B4-BE49-F238E27FC236}">
-                <a16:creationId xmlns:a16="http://schemas.microsoft.com/office/drawing/2014/main" id="{97A5E43E-3A6F-4F5D-971D-D1FBE0CFB60E}"/>
+          <p:cNvPr id="8" name="Title 1">
+            <a:extLst>
+              <a:ext uri="{FF2B5EF4-FFF2-40B4-BE49-F238E27FC236}">
+                <a16:creationId xmlns:a16="http://schemas.microsoft.com/office/drawing/2014/main" id="{5DE9E2ED-224E-5247-B9C0-4D5162ED54E8}"/>
+              </a:ext>
+            </a:extLst>
+          </p:cNvPr>
+          <p:cNvSpPr>
+            <a:spLocks noGrp="1"/>
+          </p:cNvSpPr>
+          <p:nvPr>
+            <p:ph type="ctrTitle"/>
+          </p:nvPr>
+        </p:nvSpPr>
+        <p:spPr>
+          <a:xfrm>
+            <a:off x="458942" y="801529"/>
+            <a:ext cx="10952579" cy="701040"/>
+          </a:xfrm>
+        </p:spPr>
+        <p:txBody>
+          <a:bodyPr/>
+          <a:lstStyle/>
+          <a:p>
+            <a:r>
+              <a:rPr lang="en-US" sz="2800" dirty="0"/>
+              <a:t>Alpha filter</a:t>
+            </a:r>
+          </a:p>
+        </p:txBody>
+      </p:sp>
+    </p:spTree>
+    <p:extLst>
+      <p:ext uri="{BB962C8B-B14F-4D97-AF65-F5344CB8AC3E}">
+        <p14:creationId xmlns:p14="http://schemas.microsoft.com/office/powerpoint/2010/main" val="1097829777"/>
+      </p:ext>
+    </p:extLst>
+  </p:cSld>
+  <p:clrMapOvr>
+    <a:masterClrMapping/>
+  </p:clrMapOvr>
+</p:sld>
+</file>
+
+<file path=ppt/slides/slide8.xml><?xml version="1.0" encoding="utf-8"?>
+<p:sld xmlns:a="http://schemas.openxmlformats.org/drawingml/2006/main" xmlns:r="http://schemas.openxmlformats.org/officeDocument/2006/relationships" xmlns:p="http://schemas.openxmlformats.org/presentationml/2006/main">
+  <p:cSld>
+    <p:bg>
+      <p:bgPr>
+        <a:solidFill>
+          <a:srgbClr val="DDCBA4"/>
+        </a:solidFill>
+        <a:effectLst/>
+      </p:bgPr>
+    </p:bg>
+    <p:spTree>
+      <p:nvGrpSpPr>
+        <p:cNvPr id="1" name=""/>
+        <p:cNvGrpSpPr/>
+        <p:nvPr/>
+      </p:nvGrpSpPr>
+      <p:grpSpPr>
+        <a:xfrm>
+          <a:off x="0" y="0"/>
+          <a:ext cx="0" cy="0"/>
+          <a:chOff x="0" y="0"/>
+          <a:chExt cx="0" cy="0"/>
+        </a:xfrm>
+      </p:grpSpPr>
+      <p:sp>
+        <p:nvSpPr>
+          <p:cNvPr id="2" name="Title 1">
+            <a:extLst>
+              <a:ext uri="{FF2B5EF4-FFF2-40B4-BE49-F238E27FC236}">
+                <a16:creationId xmlns:a16="http://schemas.microsoft.com/office/drawing/2014/main" id="{47A0E6D8-8581-469F-BAFA-F806D1520C26}"/>
+              </a:ext>
+            </a:extLst>
+          </p:cNvPr>
+          <p:cNvSpPr>
+            <a:spLocks noGrp="1"/>
+          </p:cNvSpPr>
+          <p:nvPr>
+            <p:ph type="ctrTitle"/>
+          </p:nvPr>
+        </p:nvSpPr>
+        <p:spPr>
+          <a:xfrm>
+            <a:off x="458942" y="801529"/>
+            <a:ext cx="10952579" cy="701040"/>
+          </a:xfrm>
+        </p:spPr>
+        <p:txBody>
+          <a:bodyPr/>
+          <a:lstStyle/>
+          <a:p>
+            <a:r>
+              <a:rPr lang="en-US" dirty="0"/>
+              <a:t>Alpha filter</a:t>
+            </a:r>
+          </a:p>
+        </p:txBody>
+      </p:sp>
+      <p:sp>
+        <p:nvSpPr>
+          <p:cNvPr id="4" name="Date Placeholder 3">
+            <a:extLst>
+              <a:ext uri="{FF2B5EF4-FFF2-40B4-BE49-F238E27FC236}">
+                <a16:creationId xmlns:a16="http://schemas.microsoft.com/office/drawing/2014/main" id="{623982BA-4707-45BB-BA04-832065F3439D}"/>
+              </a:ext>
+            </a:extLst>
+          </p:cNvPr>
+          <p:cNvSpPr>
+            <a:spLocks noGrp="1"/>
+          </p:cNvSpPr>
+          <p:nvPr>
+            <p:ph type="dt" sz="half" idx="2"/>
+          </p:nvPr>
+        </p:nvSpPr>
+        <p:spPr/>
+        <p:txBody>
+          <a:bodyPr/>
+          <a:lstStyle/>
+          <a:p>
+            <a:r>
+              <a:rPr lang="en-GB"/>
+              <a:t>19 September, 2022</a:t>
+            </a:r>
+            <a:endParaRPr lang="en-GB" dirty="0"/>
+          </a:p>
+        </p:txBody>
+      </p:sp>
+      <p:sp>
+        <p:nvSpPr>
+          <p:cNvPr id="3" name="TextBox 2">
+            <a:extLst>
+              <a:ext uri="{FF2B5EF4-FFF2-40B4-BE49-F238E27FC236}">
+                <a16:creationId xmlns:a16="http://schemas.microsoft.com/office/drawing/2014/main" id="{6D58B45C-0449-2479-90C5-74C2C81C8004}"/>
               </a:ext>
             </a:extLst>
           </p:cNvPr>
@@ -13578,54 +13670,71 @@
         </p:nvSpPr>
         <p:spPr>
           <a:xfrm>
-            <a:off x="531513" y="1502569"/>
-            <a:ext cx="6096000" cy="646331"/>
+            <a:off x="10250567" y="6358270"/>
+            <a:ext cx="1799360" cy="215444"/>
           </a:xfrm>
           <a:prstGeom prst="rect">
             <a:avLst/>
           </a:prstGeom>
-          <a:noFill/>
-        </p:spPr>
-        <p:txBody>
-          <a:bodyPr wrap="square">
+          <a:solidFill>
+            <a:srgbClr val="DDCBA4"/>
+          </a:solidFill>
+        </p:spPr>
+        <p:txBody>
+          <a:bodyPr wrap="square" lIns="0" tIns="0" rIns="0" bIns="0" rtlCol="0">
             <a:spAutoFit/>
           </a:bodyPr>
           <a:lstStyle/>
           <a:p>
-            <a:pPr marL="0" indent="0">
-              <a:buNone/>
-            </a:pPr>
-            <a:r>
-              <a:rPr lang="en-US" sz="1800" b="1" dirty="0"/>
-              <a:t>Arduino Time Control: </a:t>
-            </a:r>
-          </a:p>
-          <a:p>
-            <a:pPr marL="0" indent="0">
-              <a:buNone/>
-            </a:pPr>
-            <a:r>
-              <a:rPr lang="en-US" dirty="0"/>
-              <a:t>Sample time = 100 [</a:t>
-            </a:r>
-            <a:r>
-              <a:rPr lang="en-US" dirty="0" err="1"/>
-              <a:t>ms</a:t>
-            </a:r>
-            <a:r>
-              <a:rPr lang="en-US" dirty="0"/>
-              <a:t>]</a:t>
-            </a:r>
-            <a:endParaRPr lang="en-US" sz="1800" dirty="0"/>
+            <a:r>
+              <a:rPr lang="da-DK" sz="1400" dirty="0">
+                <a:solidFill>
+                  <a:schemeClr val="bg1"/>
+                </a:solidFill>
+                <a:latin typeface="Times New Roman" panose="02020603050405020304" pitchFamily="18" charset="0"/>
+                <a:cs typeface="Times New Roman" panose="02020603050405020304" pitchFamily="18" charset="0"/>
+              </a:rPr>
+              <a:t>19 September 2022</a:t>
+            </a:r>
           </a:p>
         </p:txBody>
       </p:sp>
       <p:pic>
         <p:nvPicPr>
-          <p:cNvPr id="15" name="Picture 14">
-            <a:extLst>
-              <a:ext uri="{FF2B5EF4-FFF2-40B4-BE49-F238E27FC236}">
-                <a16:creationId xmlns:a16="http://schemas.microsoft.com/office/drawing/2014/main" id="{C6C321B5-3E62-4D5E-BABD-A05455027B76}"/>
+          <p:cNvPr id="12" name="Picture 11">
+            <a:extLst>
+              <a:ext uri="{FF2B5EF4-FFF2-40B4-BE49-F238E27FC236}">
+                <a16:creationId xmlns:a16="http://schemas.microsoft.com/office/drawing/2014/main" id="{45785AC1-10EF-9732-9106-4EB85E572097}"/>
+              </a:ext>
+            </a:extLst>
+          </p:cNvPr>
+          <p:cNvPicPr>
+            <a:picLocks noChangeAspect="1"/>
+          </p:cNvPicPr>
+          <p:nvPr/>
+        </p:nvPicPr>
+        <p:blipFill>
+          <a:blip r:embed="rId2"/>
+          <a:stretch>
+            <a:fillRect/>
+          </a:stretch>
+        </p:blipFill>
+        <p:spPr>
+          <a:xfrm>
+            <a:off x="616579" y="1502569"/>
+            <a:ext cx="8562975" cy="2257425"/>
+          </a:xfrm>
+          <a:prstGeom prst="rect">
+            <a:avLst/>
+          </a:prstGeom>
+        </p:spPr>
+      </p:pic>
+      <p:pic>
+        <p:nvPicPr>
+          <p:cNvPr id="19" name="Picture 18">
+            <a:extLst>
+              <a:ext uri="{FF2B5EF4-FFF2-40B4-BE49-F238E27FC236}">
+                <a16:creationId xmlns:a16="http://schemas.microsoft.com/office/drawing/2014/main" id="{3F787EA5-3836-3D89-6BD4-4FD3B8976809}"/>
               </a:ext>
             </a:extLst>
           </p:cNvPr>
@@ -13642,79 +13751,118 @@
         </p:blipFill>
         <p:spPr>
           <a:xfrm>
-            <a:off x="3463399" y="1541442"/>
-            <a:ext cx="7243860" cy="504213"/>
+            <a:off x="616579" y="4088606"/>
+            <a:ext cx="8153400" cy="1266825"/>
           </a:xfrm>
           <a:prstGeom prst="rect">
             <a:avLst/>
           </a:prstGeom>
         </p:spPr>
       </p:pic>
-      <p:pic>
-        <p:nvPicPr>
-          <p:cNvPr id="16" name="Picture 15">
-            <a:extLst>
-              <a:ext uri="{FF2B5EF4-FFF2-40B4-BE49-F238E27FC236}">
-                <a16:creationId xmlns:a16="http://schemas.microsoft.com/office/drawing/2014/main" id="{BF761CE4-92CA-4D74-AE6B-51D8E8B9366B}"/>
-              </a:ext>
-            </a:extLst>
-          </p:cNvPr>
-          <p:cNvPicPr>
-            <a:picLocks noChangeAspect="1"/>
-          </p:cNvPicPr>
-          <p:nvPr/>
-        </p:nvPicPr>
-        <p:blipFill rotWithShape="1">
-          <a:blip r:embed="rId2"/>
-          <a:srcRect t="59632" r="13235"/>
-          <a:stretch/>
-        </p:blipFill>
-        <p:spPr>
-          <a:xfrm>
-            <a:off x="5935231" y="3261798"/>
-            <a:ext cx="5476290" cy="2621946"/>
-          </a:xfrm>
-          <a:prstGeom prst="rect">
-            <a:avLst/>
-          </a:prstGeom>
-        </p:spPr>
-      </p:pic>
-      <p:sp>
-        <p:nvSpPr>
-          <p:cNvPr id="17" name="TextBox 16">
-            <a:extLst>
-              <a:ext uri="{FF2B5EF4-FFF2-40B4-BE49-F238E27FC236}">
-                <a16:creationId xmlns:a16="http://schemas.microsoft.com/office/drawing/2014/main" id="{5A61E2E2-C3A5-4727-8E09-FB98076B9173}"/>
-              </a:ext>
-            </a:extLst>
-          </p:cNvPr>
-          <p:cNvSpPr txBox="1"/>
-          <p:nvPr/>
-        </p:nvSpPr>
-        <p:spPr>
-          <a:xfrm>
-            <a:off x="531513" y="2309808"/>
-            <a:ext cx="6096000" cy="369332"/>
-          </a:xfrm>
-          <a:prstGeom prst="rect">
-            <a:avLst/>
-          </a:prstGeom>
-          <a:noFill/>
-        </p:spPr>
-        <p:txBody>
-          <a:bodyPr wrap="square">
-            <a:spAutoFit/>
-          </a:bodyPr>
+    </p:spTree>
+    <p:extLst>
+      <p:ext uri="{BB962C8B-B14F-4D97-AF65-F5344CB8AC3E}">
+        <p14:creationId xmlns:p14="http://schemas.microsoft.com/office/powerpoint/2010/main" val="896731954"/>
+      </p:ext>
+    </p:extLst>
+  </p:cSld>
+  <p:clrMapOvr>
+    <a:masterClrMapping/>
+  </p:clrMapOvr>
+</p:sld>
+</file>
+
+<file path=ppt/slides/slide9.xml><?xml version="1.0" encoding="utf-8"?>
+<p:sld xmlns:a="http://schemas.openxmlformats.org/drawingml/2006/main" xmlns:r="http://schemas.openxmlformats.org/officeDocument/2006/relationships" xmlns:p="http://schemas.openxmlformats.org/presentationml/2006/main">
+  <p:cSld>
+    <p:bg>
+      <p:bgPr>
+        <a:solidFill>
+          <a:srgbClr val="DDCBA4"/>
+        </a:solidFill>
+        <a:effectLst/>
+      </p:bgPr>
+    </p:bg>
+    <p:spTree>
+      <p:nvGrpSpPr>
+        <p:cNvPr id="1" name=""/>
+        <p:cNvGrpSpPr/>
+        <p:nvPr/>
+      </p:nvGrpSpPr>
+      <p:grpSpPr>
+        <a:xfrm>
+          <a:off x="0" y="0"/>
+          <a:ext cx="0" cy="0"/>
+          <a:chOff x="0" y="0"/>
+          <a:chExt cx="0" cy="0"/>
+        </a:xfrm>
+      </p:grpSpPr>
+      <p:sp>
+        <p:nvSpPr>
+          <p:cNvPr id="2" name="Title 1">
+            <a:extLst>
+              <a:ext uri="{FF2B5EF4-FFF2-40B4-BE49-F238E27FC236}">
+                <a16:creationId xmlns:a16="http://schemas.microsoft.com/office/drawing/2014/main" id="{47A0E6D8-8581-469F-BAFA-F806D1520C26}"/>
+              </a:ext>
+            </a:extLst>
+          </p:cNvPr>
+          <p:cNvSpPr>
+            <a:spLocks noGrp="1"/>
+          </p:cNvSpPr>
+          <p:nvPr>
+            <p:ph type="ctrTitle"/>
+          </p:nvPr>
+        </p:nvSpPr>
+        <p:spPr>
+          <a:xfrm>
+            <a:off x="730546" y="2331564"/>
+            <a:ext cx="10952579" cy="701040"/>
+          </a:xfrm>
+        </p:spPr>
+        <p:txBody>
+          <a:bodyPr/>
           <a:lstStyle/>
           <a:p>
-            <a:pPr marL="0" indent="0">
-              <a:buNone/>
-            </a:pPr>
-            <a:r>
-              <a:rPr lang="en-US" sz="1800" b="1" dirty="0"/>
-              <a:t>Example:</a:t>
-            </a:r>
-            <a:endParaRPr lang="en-US" sz="1800" dirty="0"/>
+            <a:r>
+              <a:rPr lang="en-US" dirty="0"/>
+              <a:t>Pressure </a:t>
+            </a:r>
+            <a:br>
+              <a:rPr lang="en-US" dirty="0"/>
+            </a:br>
+            <a:r>
+              <a:rPr lang="en-US" dirty="0"/>
+              <a:t>controller</a:t>
+            </a:r>
+          </a:p>
+        </p:txBody>
+      </p:sp>
+      <p:sp>
+        <p:nvSpPr>
+          <p:cNvPr id="4" name="Date Placeholder 3">
+            <a:extLst>
+              <a:ext uri="{FF2B5EF4-FFF2-40B4-BE49-F238E27FC236}">
+                <a16:creationId xmlns:a16="http://schemas.microsoft.com/office/drawing/2014/main" id="{623982BA-4707-45BB-BA04-832065F3439D}"/>
+              </a:ext>
+            </a:extLst>
+          </p:cNvPr>
+          <p:cNvSpPr>
+            <a:spLocks noGrp="1"/>
+          </p:cNvSpPr>
+          <p:nvPr>
+            <p:ph type="dt" sz="half" idx="2"/>
+          </p:nvPr>
+        </p:nvSpPr>
+        <p:spPr/>
+        <p:txBody>
+          <a:bodyPr/>
+          <a:lstStyle/>
+          <a:p>
+            <a:r>
+              <a:rPr lang="en-GB"/>
+              <a:t>19 September, 2022</a:t>
+            </a:r>
+            <a:endParaRPr lang="en-GB" dirty="0"/>
           </a:p>
         </p:txBody>
       </p:sp>
@@ -13761,10 +13909,40 @@
           </a:p>
         </p:txBody>
       </p:sp>
+      <p:pic>
+        <p:nvPicPr>
+          <p:cNvPr id="6" name="Picture 5">
+            <a:extLst>
+              <a:ext uri="{FF2B5EF4-FFF2-40B4-BE49-F238E27FC236}">
+                <a16:creationId xmlns:a16="http://schemas.microsoft.com/office/drawing/2014/main" id="{B9371643-234E-DF1A-940E-8449FBD41C05}"/>
+              </a:ext>
+            </a:extLst>
+          </p:cNvPr>
+          <p:cNvPicPr>
+            <a:picLocks noChangeAspect="1"/>
+          </p:cNvPicPr>
+          <p:nvPr/>
+        </p:nvPicPr>
+        <p:blipFill>
+          <a:blip r:embed="rId2"/>
+          <a:stretch>
+            <a:fillRect/>
+          </a:stretch>
+        </p:blipFill>
+        <p:spPr>
+          <a:xfrm>
+            <a:off x="3878333" y="442394"/>
+            <a:ext cx="7172325" cy="5810250"/>
+          </a:xfrm>
+          <a:prstGeom prst="rect">
+            <a:avLst/>
+          </a:prstGeom>
+        </p:spPr>
+      </p:pic>
     </p:spTree>
     <p:extLst>
       <p:ext uri="{BB962C8B-B14F-4D97-AF65-F5344CB8AC3E}">
-        <p14:creationId xmlns:p14="http://schemas.microsoft.com/office/powerpoint/2010/main" val="3432613573"/>
+        <p14:creationId xmlns:p14="http://schemas.microsoft.com/office/powerpoint/2010/main" val="2780977474"/>
       </p:ext>
     </p:extLst>
   </p:cSld>
@@ -14612,11 +14790,11 @@
 </file>
 
 <file path=customXml/item13.xml><?xml version="1.0" encoding="utf-8"?>
-<TemplafySlideTemplateConfiguration><![CDATA[{"documentContentValidatorConfiguration":{"enableDocumentContentValidator":false,"documentContentValidatorVersion":0},"elementsMetadata":[],"slideId":"636891895634292863","enableDocumentContentUpdater":true,"version":"1.3"}]]></TemplafySlideTemplateConfiguration>
+<TemplafySlideFormConfiguration><![CDATA[{"formFields":[],"formDataEntries":[]}]]></TemplafySlideFormConfiguration>
 </file>
 
 <file path=customXml/item14.xml><?xml version="1.0" encoding="utf-8"?>
-<TemplafySlideFormConfiguration><![CDATA[{"formFields":[],"formDataEntries":[]}]]></TemplafySlideFormConfiguration>
+<TemplafyFormConfiguration><![CDATA[{"formFields":[{"required":false,"helpTexts":{"prefix":"","postfix":""},"spacing":{},"type":"datePicker","name":"Date","label":"Date","fullyQualifiedName":"Date"}],"formDataEntries":[{"name":"Date","value":"8htOAZrtBkYeKQuFdR2Q0A=="}]}]]></TemplafyFormConfiguration>
 </file>
 
 <file path=customXml/item2.xml><?xml version="1.0" encoding="utf-8"?>
@@ -14624,27 +14802,27 @@
 </file>
 
 <file path=customXml/item3.xml><?xml version="1.0" encoding="utf-8"?>
+<TemplafySlideTemplateConfiguration><![CDATA[{"documentContentValidatorConfiguration":{"enableDocumentContentValidator":false,"documentContentValidatorVersion":0},"elementsMetadata":[],"slideId":"636891895634292863","enableDocumentContentUpdater":true,"version":"1.3"}]]></TemplafySlideTemplateConfiguration>
+</file>
+
+<file path=customXml/item4.xml><?xml version="1.0" encoding="utf-8"?>
+<TemplafySlideTemplateConfiguration><![CDATA[{"documentContentValidatorConfiguration":{"enableDocumentContentValidator":false,"documentContentValidatorVersion":0},"elementsMetadata":[],"slideId":"636891895634292862","enableDocumentContentUpdater":true,"version":"1.3"}]]></TemplafySlideTemplateConfiguration>
+</file>
+
+<file path=customXml/item5.xml><?xml version="1.0" encoding="utf-8"?>
+<TemplafySlideTemplateConfiguration><![CDATA[{"documentContentValidatorConfiguration":{"enableDocumentContentValidator":false,"documentContentValidatorVersion":0},"elementsMetadata":[],"slideId":"636891895634292863","enableDocumentContentUpdater":true,"version":"1.3"}]]></TemplafySlideTemplateConfiguration>
+</file>
+
+<file path=customXml/item6.xml><?xml version="1.0" encoding="utf-8"?>
+<TemplafyTemplateConfiguration><![CDATA[{"elementsMetadata":[{"type":"shape","id":"cd9741c8-8789-4c25-acf2-07e462de9c42","elementConfiguration":{"format":"{{DateFormats.MonthYear}}","binding":"Form.Date","disableUpdates":false,"type":"date"}},{"type":"shape","id":"8c7c9c3c-6f56-411a-89c2-4779e9849385","elementConfiguration":{"binding":"UserProfile.Institut.InstituteDCU_{{DocumentLanguage}}","disableUpdates":false,"type":"text"}},{"type":"shape","id":"92df3218-2473-47f4-9860-43a98e4e250c","elementConfiguration":{"binding":"UserProfile.Institut.InstituteDCU_{{DocumentLanguage}}","disableUpdates":false,"type":"text"}},{"type":"shape","id":"b346f40c-f13c-4a58-820b-5140e4ebe935","elementConfiguration":{"format":"{{DateFormats.MonthYear}}","binding":"Form.Date","disableUpdates":false,"type":"date"}},{"type":"shape","id":"35bf690c-838b-4fd7-85cd-cb0fbdb4c8c2","elementConfiguration":{"binding":"UserProfile.Institut.InstituteDCU_{{DocumentLanguage}}","disableUpdates":false,"type":"text"}},{"type":"shape","id":"909b52da-edda-4361-a03a-5e8d32a9e95b","elementConfiguration":{"format":"{{DateFormats.MonthYear}}","binding":"Form.Date","disableUpdates":false,"type":"date"}},{"type":"shape","id":"b7e5f2a0-79b4-4df1-9927-b970af9eddbc","elementConfiguration":{"binding":"UserProfile.Institut.InstituteDCU_{{DocumentLanguage}}","disableUpdates":false,"type":"text"}},{"type":"shape","id":"03113827-e04d-43e1-84ca-7889c6030572","elementConfiguration":{"format":"{{DateFormats.MonthYear}}","binding":"Form.Date","disableUpdates":false,"type":"date"}},{"type":"shape","id":"f084c6c0-5e85-4951-acfe-94e4f2b8e005","elementConfiguration":{"format":"{{DateFormats.MonthYear}}","binding":"Form.Date","disableUpdates":false,"type":"date"}},{"type":"shape","id":"92ae4fbc-84fa-413a-80b0-e47c00552c60","elementConfiguration":{"binding":"UserProfile.Institut.InstituteDCU_{{DocumentLanguage}}","disableUpdates":false,"type":"text"}},{"type":"shape","id":"10cdd606-091a-4f48-a446-41b2aa1aab67","elementConfiguration":{"binding":"UserProfile.Institut.InstituteDCU_{{DocumentLanguage}}","disableUpdates":false,"type":"text"}},{"type":"shape","id":"cec31f44-2b9b-4ebf-bef4-bf4db7bb7df1","elementConfiguration":{"binding":"UserProfile.Institut.InstituteDCU_{{DocumentLanguage}}","disableUpdates":false,"type":"text"}},{"type":"shape","id":"3953907f-4fb2-4af6-8b51-26ec4cce2240","elementConfiguration":{"format":"{{DateFormats.MonthYear}}","binding":"Form.Date","disableUpdates":false,"type":"date"}}],"transformationConfigurations":[{"language":"{{DocumentLanguage}}","disableUpdates":false,"type":"proofingLanguage"}],"templateName":"","templateDescription":"","enableDocumentContentUpdater":true,"version":"1.3"}]]></TemplafyTemplateConfiguration>
+</file>
+
+<file path=customXml/item7.xml><?xml version="1.0" encoding="utf-8"?>
 <TemplafySlideFormConfiguration><![CDATA[{"formFields":[],"formDataEntries":[]}]]></TemplafySlideFormConfiguration>
 </file>
 
-<file path=customXml/item4.xml><?xml version="1.0" encoding="utf-8"?>
+<file path=customXml/item8.xml><?xml version="1.0" encoding="utf-8"?>
 <TemplafySlideFormConfiguration><![CDATA[{"formFields":[],"formDataEntries":[]}]]></TemplafySlideFormConfiguration>
-</file>
-
-<file path=customXml/item5.xml><?xml version="1.0" encoding="utf-8"?>
-<TemplafyTemplateConfiguration><![CDATA[{"elementsMetadata":[{"type":"shape","id":"cd9741c8-8789-4c25-acf2-07e462de9c42","elementConfiguration":{"format":"{{DateFormats.MonthYear}}","binding":"Form.Date","disableUpdates":false,"type":"date"}},{"type":"shape","id":"8c7c9c3c-6f56-411a-89c2-4779e9849385","elementConfiguration":{"binding":"UserProfile.Institut.InstituteDCU_{{DocumentLanguage}}","disableUpdates":false,"type":"text"}},{"type":"shape","id":"92df3218-2473-47f4-9860-43a98e4e250c","elementConfiguration":{"binding":"UserProfile.Institut.InstituteDCU_{{DocumentLanguage}}","disableUpdates":false,"type":"text"}},{"type":"shape","id":"b346f40c-f13c-4a58-820b-5140e4ebe935","elementConfiguration":{"format":"{{DateFormats.MonthYear}}","binding":"Form.Date","disableUpdates":false,"type":"date"}},{"type":"shape","id":"35bf690c-838b-4fd7-85cd-cb0fbdb4c8c2","elementConfiguration":{"binding":"UserProfile.Institut.InstituteDCU_{{DocumentLanguage}}","disableUpdates":false,"type":"text"}},{"type":"shape","id":"909b52da-edda-4361-a03a-5e8d32a9e95b","elementConfiguration":{"format":"{{DateFormats.MonthYear}}","binding":"Form.Date","disableUpdates":false,"type":"date"}},{"type":"shape","id":"b7e5f2a0-79b4-4df1-9927-b970af9eddbc","elementConfiguration":{"binding":"UserProfile.Institut.InstituteDCU_{{DocumentLanguage}}","disableUpdates":false,"type":"text"}},{"type":"shape","id":"03113827-e04d-43e1-84ca-7889c6030572","elementConfiguration":{"format":"{{DateFormats.MonthYear}}","binding":"Form.Date","disableUpdates":false,"type":"date"}},{"type":"shape","id":"f084c6c0-5e85-4951-acfe-94e4f2b8e005","elementConfiguration":{"format":"{{DateFormats.MonthYear}}","binding":"Form.Date","disableUpdates":false,"type":"date"}},{"type":"shape","id":"92ae4fbc-84fa-413a-80b0-e47c00552c60","elementConfiguration":{"binding":"UserProfile.Institut.InstituteDCU_{{DocumentLanguage}}","disableUpdates":false,"type":"text"}},{"type":"shape","id":"10cdd606-091a-4f48-a446-41b2aa1aab67","elementConfiguration":{"binding":"UserProfile.Institut.InstituteDCU_{{DocumentLanguage}}","disableUpdates":false,"type":"text"}},{"type":"shape","id":"cec31f44-2b9b-4ebf-bef4-bf4db7bb7df1","elementConfiguration":{"binding":"UserProfile.Institut.InstituteDCU_{{DocumentLanguage}}","disableUpdates":false,"type":"text"}},{"type":"shape","id":"3953907f-4fb2-4af6-8b51-26ec4cce2240","elementConfiguration":{"format":"{{DateFormats.MonthYear}}","binding":"Form.Date","disableUpdates":false,"type":"date"}}],"transformationConfigurations":[{"language":"{{DocumentLanguage}}","disableUpdates":false,"type":"proofingLanguage"}],"templateName":"","templateDescription":"","enableDocumentContentUpdater":true,"version":"1.3"}]]></TemplafyTemplateConfiguration>
-</file>
-
-<file path=customXml/item6.xml><?xml version="1.0" encoding="utf-8"?>
-<TemplafySlideTemplateConfiguration><![CDATA[{"documentContentValidatorConfiguration":{"enableDocumentContentValidator":false,"documentContentValidatorVersion":0},"elementsMetadata":[],"slideId":"636891895634292862","enableDocumentContentUpdater":true,"version":"1.3"}]]></TemplafySlideTemplateConfiguration>
-</file>
-
-<file path=customXml/item7.xml><?xml version="1.0" encoding="utf-8"?>
-<TemplafyFormConfiguration><![CDATA[{"formFields":[{"required":false,"helpTexts":{"prefix":"","postfix":""},"spacing":{},"type":"datePicker","name":"Date","label":"Date","fullyQualifiedName":"Date"}],"formDataEntries":[{"name":"Date","value":"8htOAZrtBkYeKQuFdR2Q0A=="}]}]]></TemplafyFormConfiguration>
-</file>
-
-<file path=customXml/item8.xml><?xml version="1.0" encoding="utf-8"?>
-<TemplafySlideTemplateConfiguration><![CDATA[{"documentContentValidatorConfiguration":{"enableDocumentContentValidator":false,"documentContentValidatorVersion":0},"elementsMetadata":[],"slideId":"636891895634292863","enableDocumentContentUpdater":true,"version":"1.3"}]]></TemplafySlideTemplateConfiguration>
 </file>
 
 <file path=customXml/item9.xml><?xml version="1.0" encoding="utf-8"?>
@@ -14652,37 +14830,37 @@
 </file>
 
 <file path=customXml/itemProps1.xml><?xml version="1.0" encoding="utf-8"?>
-<ds:datastoreItem xmlns:ds="http://schemas.openxmlformats.org/officeDocument/2006/customXml" ds:itemID="{A078B4FF-09BD-41CC-9B29-FE1B7D89E18C}">
+<ds:datastoreItem xmlns:ds="http://schemas.openxmlformats.org/officeDocument/2006/customXml" ds:itemID="{C3BF06F6-5A2A-4AEE-BD9F-CE363953B7E4}">
   <ds:schemaRefs/>
 </ds:datastoreItem>
 </file>
 
 <file path=customXml/itemProps10.xml><?xml version="1.0" encoding="utf-8"?>
-<ds:datastoreItem xmlns:ds="http://schemas.openxmlformats.org/officeDocument/2006/customXml" ds:itemID="{23A422EE-19EB-460A-8CC2-72292EB01E2F}">
+<ds:datastoreItem xmlns:ds="http://schemas.openxmlformats.org/officeDocument/2006/customXml" ds:itemID="{A57C0D19-358B-4753-8DA4-9204CEA2F95F}">
   <ds:schemaRefs/>
 </ds:datastoreItem>
 </file>
 
 <file path=customXml/itemProps11.xml><?xml version="1.0" encoding="utf-8"?>
-<ds:datastoreItem xmlns:ds="http://schemas.openxmlformats.org/officeDocument/2006/customXml" ds:itemID="{C83BBD83-B3C3-47BA-B125-6A2A1A31FA48}">
+<ds:datastoreItem xmlns:ds="http://schemas.openxmlformats.org/officeDocument/2006/customXml" ds:itemID="{06CE3761-89D3-4A8E-8EB2-9214574F9FD3}">
   <ds:schemaRefs/>
 </ds:datastoreItem>
 </file>
 
 <file path=customXml/itemProps12.xml><?xml version="1.0" encoding="utf-8"?>
-<ds:datastoreItem xmlns:ds="http://schemas.openxmlformats.org/officeDocument/2006/customXml" ds:itemID="{C3BF06F6-5A2A-4AEE-BD9F-CE363953B7E4}">
+<ds:datastoreItem xmlns:ds="http://schemas.openxmlformats.org/officeDocument/2006/customXml" ds:itemID="{1633BF0F-5F3E-454E-9ADA-5528694CE17F}">
   <ds:schemaRefs/>
 </ds:datastoreItem>
 </file>
 
 <file path=customXml/itemProps13.xml><?xml version="1.0" encoding="utf-8"?>
-<ds:datastoreItem xmlns:ds="http://schemas.openxmlformats.org/officeDocument/2006/customXml" ds:itemID="{1633BF0F-5F3E-454E-9ADA-5528694CE17F}">
+<ds:datastoreItem xmlns:ds="http://schemas.openxmlformats.org/officeDocument/2006/customXml" ds:itemID="{43723FED-A2E0-415E-8B28-139637BC092B}">
   <ds:schemaRefs/>
 </ds:datastoreItem>
 </file>
 
 <file path=customXml/itemProps14.xml><?xml version="1.0" encoding="utf-8"?>
-<ds:datastoreItem xmlns:ds="http://schemas.openxmlformats.org/officeDocument/2006/customXml" ds:itemID="{A57C0D19-358B-4753-8DA4-9204CEA2F95F}">
+<ds:datastoreItem xmlns:ds="http://schemas.openxmlformats.org/officeDocument/2006/customXml" ds:itemID="{C5CD5A01-6378-494D-B71B-D23DEC9A120C}">
   <ds:schemaRefs/>
 </ds:datastoreItem>
 </file>
@@ -14694,37 +14872,37 @@
 </file>
 
 <file path=customXml/itemProps3.xml><?xml version="1.0" encoding="utf-8"?>
-<ds:datastoreItem xmlns:ds="http://schemas.openxmlformats.org/officeDocument/2006/customXml" ds:itemID="{43723FED-A2E0-415E-8B28-139637BC092B}">
+<ds:datastoreItem xmlns:ds="http://schemas.openxmlformats.org/officeDocument/2006/customXml" ds:itemID="{A078B4FF-09BD-41CC-9B29-FE1B7D89E18C}">
   <ds:schemaRefs/>
 </ds:datastoreItem>
 </file>
 
 <file path=customXml/itemProps4.xml><?xml version="1.0" encoding="utf-8"?>
-<ds:datastoreItem xmlns:ds="http://schemas.openxmlformats.org/officeDocument/2006/customXml" ds:itemID="{80482F15-B4A9-41AA-B80E-5BCF78508A9A}">
+<ds:datastoreItem xmlns:ds="http://schemas.openxmlformats.org/officeDocument/2006/customXml" ds:itemID="{80A386E5-FB57-411F-ACEC-E4C4608EF981}">
   <ds:schemaRefs/>
 </ds:datastoreItem>
 </file>
 
 <file path=customXml/itemProps5.xml><?xml version="1.0" encoding="utf-8"?>
+<ds:datastoreItem xmlns:ds="http://schemas.openxmlformats.org/officeDocument/2006/customXml" ds:itemID="{C83BBD83-B3C3-47BA-B125-6A2A1A31FA48}">
+  <ds:schemaRefs/>
+</ds:datastoreItem>
+</file>
+
+<file path=customXml/itemProps6.xml><?xml version="1.0" encoding="utf-8"?>
 <ds:datastoreItem xmlns:ds="http://schemas.openxmlformats.org/officeDocument/2006/customXml" ds:itemID="{C484C70F-0F64-4774-853F-19FDF7E1F81D}">
   <ds:schemaRefs/>
 </ds:datastoreItem>
 </file>
 
-<file path=customXml/itemProps6.xml><?xml version="1.0" encoding="utf-8"?>
-<ds:datastoreItem xmlns:ds="http://schemas.openxmlformats.org/officeDocument/2006/customXml" ds:itemID="{80A386E5-FB57-411F-ACEC-E4C4608EF981}">
-  <ds:schemaRefs/>
-</ds:datastoreItem>
-</file>
-
 <file path=customXml/itemProps7.xml><?xml version="1.0" encoding="utf-8"?>
-<ds:datastoreItem xmlns:ds="http://schemas.openxmlformats.org/officeDocument/2006/customXml" ds:itemID="{C5CD5A01-6378-494D-B71B-D23DEC9A120C}">
+<ds:datastoreItem xmlns:ds="http://schemas.openxmlformats.org/officeDocument/2006/customXml" ds:itemID="{23A422EE-19EB-460A-8CC2-72292EB01E2F}">
   <ds:schemaRefs/>
 </ds:datastoreItem>
 </file>
 
 <file path=customXml/itemProps8.xml><?xml version="1.0" encoding="utf-8"?>
-<ds:datastoreItem xmlns:ds="http://schemas.openxmlformats.org/officeDocument/2006/customXml" ds:itemID="{06CE3761-89D3-4A8E-8EB2-9214574F9FD3}">
+<ds:datastoreItem xmlns:ds="http://schemas.openxmlformats.org/officeDocument/2006/customXml" ds:itemID="{80482F15-B4A9-41AA-B80E-5BCF78508A9A}">
   <ds:schemaRefs/>
 </ds:datastoreItem>
 </file>
